--- a/SOFTWARE PROJECT LAB-1.pptx
+++ b/SOFTWARE PROJECT LAB-1.pptx
@@ -17,8 +17,7 @@
     <p:sldId id="266" r:id="rId11"/>
     <p:sldId id="267" r:id="rId12"/>
     <p:sldId id="269" r:id="rId13"/>
-    <p:sldId id="274" r:id="rId14"/>
-    <p:sldId id="271" r:id="rId15"/>
+    <p:sldId id="271" r:id="rId14"/>
   </p:sldIdLst>
   <p:sldSz cx="12192000" cy="6858000"/>
   <p:notesSz cx="6858000" cy="9144000"/>
@@ -264,7 +263,7 @@
           <a:p>
             <a:fld id="{B36B675A-2DB3-4007-8440-55EE8B3CB4B9}" type="datetimeFigureOut">
               <a:rPr lang="en-US" smtClean="0"/>
-              <a:t>3/5/2022</a:t>
+              <a:t>3/6/2022</a:t>
             </a:fld>
             <a:endParaRPr lang="en-US"/>
           </a:p>
@@ -475,7 +474,7 @@
           <a:p>
             <a:fld id="{B36B675A-2DB3-4007-8440-55EE8B3CB4B9}" type="datetimeFigureOut">
               <a:rPr lang="en-US" smtClean="0"/>
-              <a:t>3/5/2022</a:t>
+              <a:t>3/6/2022</a:t>
             </a:fld>
             <a:endParaRPr lang="en-US"/>
           </a:p>
@@ -690,7 +689,7 @@
           <a:p>
             <a:fld id="{B36B675A-2DB3-4007-8440-55EE8B3CB4B9}" type="datetimeFigureOut">
               <a:rPr lang="en-US" smtClean="0"/>
-              <a:t>3/5/2022</a:t>
+              <a:t>3/6/2022</a:t>
             </a:fld>
             <a:endParaRPr lang="en-US"/>
           </a:p>
@@ -891,7 +890,7 @@
           <a:p>
             <a:fld id="{B36B675A-2DB3-4007-8440-55EE8B3CB4B9}" type="datetimeFigureOut">
               <a:rPr lang="en-US" smtClean="0"/>
-              <a:t>3/5/2022</a:t>
+              <a:t>3/6/2022</a:t>
             </a:fld>
             <a:endParaRPr lang="en-US"/>
           </a:p>
@@ -1170,7 +1169,7 @@
           <a:p>
             <a:fld id="{B36B675A-2DB3-4007-8440-55EE8B3CB4B9}" type="datetimeFigureOut">
               <a:rPr lang="en-US" smtClean="0"/>
-              <a:t>3/5/2022</a:t>
+              <a:t>3/6/2022</a:t>
             </a:fld>
             <a:endParaRPr lang="en-US"/>
           </a:p>
@@ -1438,7 +1437,7 @@
           <a:p>
             <a:fld id="{B36B675A-2DB3-4007-8440-55EE8B3CB4B9}" type="datetimeFigureOut">
               <a:rPr lang="en-US" smtClean="0"/>
-              <a:t>3/5/2022</a:t>
+              <a:t>3/6/2022</a:t>
             </a:fld>
             <a:endParaRPr lang="en-US"/>
           </a:p>
@@ -1854,7 +1853,7 @@
           <a:p>
             <a:fld id="{B36B675A-2DB3-4007-8440-55EE8B3CB4B9}" type="datetimeFigureOut">
               <a:rPr lang="en-US" smtClean="0"/>
-              <a:t>3/5/2022</a:t>
+              <a:t>3/6/2022</a:t>
             </a:fld>
             <a:endParaRPr lang="en-US"/>
           </a:p>
@@ -2003,7 +2002,7 @@
           <a:p>
             <a:fld id="{B36B675A-2DB3-4007-8440-55EE8B3CB4B9}" type="datetimeFigureOut">
               <a:rPr lang="en-US" smtClean="0"/>
-              <a:t>3/5/2022</a:t>
+              <a:t>3/6/2022</a:t>
             </a:fld>
             <a:endParaRPr lang="en-US"/>
           </a:p>
@@ -2129,7 +2128,7 @@
           <a:p>
             <a:fld id="{B36B675A-2DB3-4007-8440-55EE8B3CB4B9}" type="datetimeFigureOut">
               <a:rPr lang="en-US" smtClean="0"/>
-              <a:t>3/5/2022</a:t>
+              <a:t>3/6/2022</a:t>
             </a:fld>
             <a:endParaRPr lang="en-US"/>
           </a:p>
@@ -2380,7 +2379,7 @@
           <a:p>
             <a:fld id="{B36B675A-2DB3-4007-8440-55EE8B3CB4B9}" type="datetimeFigureOut">
               <a:rPr lang="en-US" smtClean="0"/>
-              <a:t>3/5/2022</a:t>
+              <a:t>3/6/2022</a:t>
             </a:fld>
             <a:endParaRPr lang="en-US"/>
           </a:p>
@@ -2825,7 +2824,7 @@
           <a:p>
             <a:fld id="{B36B675A-2DB3-4007-8440-55EE8B3CB4B9}" type="datetimeFigureOut">
               <a:rPr lang="en-US" smtClean="0"/>
-              <a:t>3/5/2022</a:t>
+              <a:t>3/6/2022</a:t>
             </a:fld>
             <a:endParaRPr lang="en-US"/>
           </a:p>
@@ -3152,7 +3151,7 @@
           <a:p>
             <a:fld id="{B36B675A-2DB3-4007-8440-55EE8B3CB4B9}" type="datetimeFigureOut">
               <a:rPr lang="en-US" smtClean="0"/>
-              <a:t>3/5/2022</a:t>
+              <a:t>3/6/2022</a:t>
             </a:fld>
             <a:endParaRPr lang="en-US"/>
           </a:p>
@@ -3656,7 +3655,7 @@
         </p:nvSpPr>
         <p:spPr>
           <a:xfrm>
-            <a:off x="355107" y="656948"/>
+            <a:off x="284086" y="899974"/>
             <a:ext cx="7732450" cy="3002872"/>
           </a:xfrm>
         </p:spPr>
@@ -5511,75 +5510,6 @@
 </file>
 
 <file path=ppt/slides/slide13.xml><?xml version="1.0" encoding="utf-8"?>
-<p:sld xmlns:a="http://schemas.openxmlformats.org/drawingml/2006/main" xmlns:r="http://schemas.openxmlformats.org/officeDocument/2006/relationships" xmlns:p="http://schemas.openxmlformats.org/presentationml/2006/main">
-  <p:cSld>
-    <p:spTree>
-      <p:nvGrpSpPr>
-        <p:cNvPr id="1" name=""/>
-        <p:cNvGrpSpPr/>
-        <p:nvPr/>
-      </p:nvGrpSpPr>
-      <p:grpSpPr>
-        <a:xfrm>
-          <a:off x="0" y="0"/>
-          <a:ext cx="0" cy="0"/>
-          <a:chOff x="0" y="0"/>
-          <a:chExt cx="0" cy="0"/>
-        </a:xfrm>
-      </p:grpSpPr>
-      <p:pic>
-        <p:nvPicPr>
-          <p:cNvPr id="3" name="Picture 2">
-            <a:extLst>
-              <a:ext uri="{FF2B5EF4-FFF2-40B4-BE49-F238E27FC236}">
-                <a16:creationId xmlns:a16="http://schemas.microsoft.com/office/drawing/2014/main" id="{9F64EB37-7100-45AD-98FF-1DDC41CC8A21}"/>
-              </a:ext>
-            </a:extLst>
-          </p:cNvPr>
-          <p:cNvPicPr>
-            <a:picLocks noChangeAspect="1"/>
-          </p:cNvPicPr>
-          <p:nvPr/>
-        </p:nvPicPr>
-        <p:blipFill>
-          <a:blip r:embed="rId2">
-            <a:extLst>
-              <a:ext uri="{28A0092B-C50C-407E-A947-70E740481C1C}">
-                <a14:useLocalDpi xmlns:a14="http://schemas.microsoft.com/office/drawing/2010/main" val="0"/>
-              </a:ext>
-              <a:ext uri="{837473B0-CC2E-450A-ABE3-18F120FF3D39}">
-                <a1611:picAttrSrcUrl xmlns:a1611="http://schemas.microsoft.com/office/drawing/2016/11/main" r:id="rId3"/>
-              </a:ext>
-            </a:extLst>
-          </a:blip>
-          <a:stretch>
-            <a:fillRect/>
-          </a:stretch>
-        </p:blipFill>
-        <p:spPr>
-          <a:xfrm>
-            <a:off x="3979538" y="79899"/>
-            <a:ext cx="4408478" cy="5579616"/>
-          </a:xfrm>
-          <a:prstGeom prst="rect">
-            <a:avLst/>
-          </a:prstGeom>
-        </p:spPr>
-      </p:pic>
-    </p:spTree>
-    <p:extLst>
-      <p:ext uri="{BB962C8B-B14F-4D97-AF65-F5344CB8AC3E}">
-        <p14:creationId xmlns:p14="http://schemas.microsoft.com/office/powerpoint/2010/main" val="1807856564"/>
-      </p:ext>
-    </p:extLst>
-  </p:cSld>
-  <p:clrMapOvr>
-    <a:masterClrMapping/>
-  </p:clrMapOvr>
-</p:sld>
-</file>
-
-<file path=ppt/slides/slide14.xml><?xml version="1.0" encoding="utf-8"?>
 <p:sld xmlns:a="http://schemas.openxmlformats.org/drawingml/2006/main" xmlns:r="http://schemas.openxmlformats.org/officeDocument/2006/relationships" xmlns:p="http://schemas.openxmlformats.org/presentationml/2006/main">
   <p:cSld>
     <p:spTree>
